--- a/ab-testing-presentation.pptx
+++ b/ab-testing-presentation.pptx
@@ -292,6 +292,11 @@
       </a:defRPr>
     </a:lvl9pPr>
   </p:defaultTextStyle>
+  <p:extLst>
+    <p:ext uri="{EFAFB233-063F-42B5-8137-9DF3F51BA10A}">
+      <p15:sldGuideLst xmlns:p15="http://schemas.microsoft.com/office/powerpoint/2012/main"/>
+    </p:ext>
+  </p:extLst>
 </p:presentation>
 </file>
 
@@ -828,7 +833,7 @@
               </a:spcAft>
               <a:buNone/>
             </a:pPr>
-            <a:endParaRPr/>
+            <a:endParaRPr dirty="0"/>
           </a:p>
         </p:txBody>
       </p:sp>
@@ -1361,6 +1366,67 @@
 </file>
 
 <file path=ppt/notesSlides/notesSlide7.xml><?xml version="1.0" encoding="utf-8"?>
+<p:notes xmlns:a="http://schemas.openxmlformats.org/drawingml/2006/main" xmlns:r="http://schemas.openxmlformats.org/officeDocument/2006/relationships" xmlns:p="http://schemas.openxmlformats.org/presentationml/2006/main">
+  <p:cSld>
+    <p:spTree>
+      <p:nvGrpSpPr>
+        <p:cNvPr id="1" name=""/>
+        <p:cNvGrpSpPr/>
+        <p:nvPr/>
+      </p:nvGrpSpPr>
+      <p:grpSpPr>
+        <a:xfrm>
+          <a:off x="0" y="0"/>
+          <a:ext cx="0" cy="0"/>
+          <a:chOff x="0" y="0"/>
+          <a:chExt cx="0" cy="0"/>
+        </a:xfrm>
+      </p:grpSpPr>
+      <p:sp>
+        <p:nvSpPr>
+          <p:cNvPr id="2" name="Образ слайда 1"/>
+          <p:cNvSpPr>
+            <a:spLocks noGrp="1" noRot="1" noChangeAspect="1"/>
+          </p:cNvSpPr>
+          <p:nvPr>
+            <p:ph type="sldImg"/>
+          </p:nvPr>
+        </p:nvSpPr>
+        <p:spPr/>
+      </p:sp>
+      <p:sp>
+        <p:nvSpPr>
+          <p:cNvPr id="3" name="Заметки 2"/>
+          <p:cNvSpPr>
+            <a:spLocks noGrp="1"/>
+          </p:cNvSpPr>
+          <p:nvPr>
+            <p:ph type="body" idx="1"/>
+          </p:nvPr>
+        </p:nvSpPr>
+        <p:spPr/>
+        <p:txBody>
+          <a:bodyPr/>
+          <a:lstStyle/>
+          <a:p>
+            <a:endParaRPr lang="ru-GB" dirty="0"/>
+          </a:p>
+        </p:txBody>
+      </p:sp>
+    </p:spTree>
+    <p:extLst>
+      <p:ext uri="{BB962C8B-B14F-4D97-AF65-F5344CB8AC3E}">
+        <p14:creationId xmlns:p14="http://schemas.microsoft.com/office/powerpoint/2010/main" val="3044424358"/>
+      </p:ext>
+    </p:extLst>
+  </p:cSld>
+  <p:clrMapOvr>
+    <a:masterClrMapping/>
+  </p:clrMapOvr>
+</p:notes>
+</file>
+
+<file path=ppt/notesSlides/notesSlide8.xml><?xml version="1.0" encoding="utf-8"?>
 <p:notes xmlns:a="http://schemas.openxmlformats.org/drawingml/2006/main" xmlns:r="http://schemas.openxmlformats.org/officeDocument/2006/relationships" xmlns:p="http://schemas.openxmlformats.org/presentationml/2006/main" showMasterSp="0" showMasterPhAnim="0">
   <p:cSld>
     <p:spTree>
@@ -1464,7 +1530,7 @@
 </p:notes>
 </file>
 
-<file path=ppt/notesSlides/notesSlide8.xml><?xml version="1.0" encoding="utf-8"?>
+<file path=ppt/notesSlides/notesSlide9.xml><?xml version="1.0" encoding="utf-8"?>
 <p:notes xmlns:a="http://schemas.openxmlformats.org/drawingml/2006/main" xmlns:r="http://schemas.openxmlformats.org/officeDocument/2006/relationships" xmlns:p="http://schemas.openxmlformats.org/presentationml/2006/main" showMasterSp="0" showMasterPhAnim="0">
   <p:cSld>
     <p:spTree>
@@ -1556,7 +1622,7 @@
               </a:spcAft>
               <a:buNone/>
             </a:pPr>
-            <a:endParaRPr/>
+            <a:endParaRPr dirty="0"/>
           </a:p>
         </p:txBody>
       </p:sp>
@@ -14697,7 +14763,7 @@
                 <a:cs typeface="Fira Sans Extra Condensed"/>
                 <a:sym typeface="Fira Sans Extra Condensed"/>
               </a:rPr>
-              <a:t>KPI</a:t>
+              <a:t>KPI and Hypothesis</a:t>
             </a:r>
             <a:endParaRPr sz="1800" b="1" dirty="0">
               <a:solidFill>
@@ -16542,7 +16608,7 @@
         </p:nvSpPr>
         <p:spPr>
           <a:xfrm>
-            <a:off x="471875" y="3313388"/>
+            <a:off x="589259" y="3659466"/>
             <a:ext cx="1689900" cy="571800"/>
           </a:xfrm>
           <a:prstGeom prst="rect">
@@ -16595,6 +16661,119 @@
               </a:rPr>
               <a:t>conversion rate</a:t>
             </a:r>
+            <a:r>
+              <a:rPr lang="en-US" sz="1200" dirty="0">
+                <a:solidFill>
+                  <a:srgbClr val="000000"/>
+                </a:solidFill>
+                <a:effectLst/>
+                <a:latin typeface="Helvetica" pitchFamily="2" charset="0"/>
+                <a:ea typeface="Times New Roman" panose="02020603050405020304" pitchFamily="18" charset="0"/>
+                <a:cs typeface="Adelle Sans Devanagari" panose="02000503000000020004" pitchFamily="2" charset="-78"/>
+              </a:rPr>
+              <a:t>.</a:t>
+            </a:r>
+          </a:p>
+          <a:p>
+            <a:r>
+              <a:rPr lang="ru-GB" sz="1200" dirty="0">
+                <a:effectLst/>
+                <a:latin typeface="Helvetica" pitchFamily="2" charset="0"/>
+                <a:ea typeface="Times New Roman" panose="02020603050405020304" pitchFamily="18" charset="0"/>
+              </a:rPr>
+              <a:t>H0:p=p0</a:t>
+            </a:r>
+          </a:p>
+          <a:p>
+            <a:r>
+              <a:rPr lang="ru-GB" sz="1200" dirty="0">
+                <a:effectLst/>
+                <a:latin typeface="Helvetica" pitchFamily="2" charset="0"/>
+                <a:ea typeface="Times New Roman" panose="02020603050405020304" pitchFamily="18" charset="0"/>
+              </a:rPr>
+              <a:t>Ha:p≠p0</a:t>
+            </a:r>
+            <a:r>
+              <a:rPr lang="en-US" sz="1200" dirty="0">
+                <a:effectLst/>
+                <a:latin typeface="Helvetica" pitchFamily="2" charset="0"/>
+                <a:ea typeface="Times New Roman" panose="02020603050405020304" pitchFamily="18" charset="0"/>
+              </a:rPr>
+              <a:t> </a:t>
+            </a:r>
+          </a:p>
+          <a:p>
+            <a:r>
+              <a:rPr lang="ru-GB" sz="1200" dirty="0">
+                <a:effectLst/>
+                <a:latin typeface="Helvetica" pitchFamily="2" charset="0"/>
+                <a:ea typeface="Times New Roman" panose="02020603050405020304" pitchFamily="18" charset="0"/>
+                <a:cs typeface="Segoe UI" panose="020B0502040204020203" pitchFamily="34" charset="0"/>
+              </a:rPr>
+              <a:t>p and p0 </a:t>
+            </a:r>
+            <a:r>
+              <a:rPr lang="en-US" sz="1200" dirty="0">
+                <a:effectLst/>
+                <a:latin typeface="Helvetica" pitchFamily="2" charset="0"/>
+                <a:ea typeface="Times New Roman" panose="02020603050405020304" pitchFamily="18" charset="0"/>
+                <a:cs typeface="Segoe UI" panose="020B0502040204020203" pitchFamily="34" charset="0"/>
+              </a:rPr>
+              <a:t>- </a:t>
+            </a:r>
+            <a:r>
+              <a:rPr lang="ru-GB" sz="1200" dirty="0">
+                <a:effectLst/>
+                <a:latin typeface="Helvetica" pitchFamily="2" charset="0"/>
+                <a:ea typeface="Times New Roman" panose="02020603050405020304" pitchFamily="18" charset="0"/>
+                <a:cs typeface="Segoe UI" panose="020B0502040204020203" pitchFamily="34" charset="0"/>
+              </a:rPr>
+              <a:t>conversion rate</a:t>
+            </a:r>
+            <a:r>
+              <a:rPr lang="en-US" sz="1200" dirty="0">
+                <a:effectLst/>
+                <a:latin typeface="Helvetica" pitchFamily="2" charset="0"/>
+                <a:ea typeface="Times New Roman" panose="02020603050405020304" pitchFamily="18" charset="0"/>
+                <a:cs typeface="Segoe UI" panose="020B0502040204020203" pitchFamily="34" charset="0"/>
+              </a:rPr>
+              <a:t> </a:t>
+            </a:r>
+            <a:r>
+              <a:rPr lang="ru-GB" sz="1200" dirty="0">
+                <a:effectLst/>
+                <a:latin typeface="Helvetica" pitchFamily="2" charset="0"/>
+                <a:ea typeface="Times New Roman" panose="02020603050405020304" pitchFamily="18" charset="0"/>
+                <a:cs typeface="Segoe UI" panose="020B0502040204020203" pitchFamily="34" charset="0"/>
+              </a:rPr>
+              <a:t>of the new and old design</a:t>
+            </a:r>
+            <a:r>
+              <a:rPr lang="ru-GB" sz="1200" dirty="0">
+                <a:effectLst/>
+                <a:latin typeface="Helvetica" pitchFamily="2" charset="0"/>
+              </a:rPr>
+              <a:t> </a:t>
+            </a:r>
+            <a:endParaRPr lang="ru-GB" sz="1200" dirty="0">
+              <a:effectLst/>
+              <a:latin typeface="Helvetica" pitchFamily="2" charset="0"/>
+              <a:ea typeface="Times New Roman" panose="02020603050405020304" pitchFamily="18" charset="0"/>
+            </a:endParaRPr>
+          </a:p>
+          <a:p>
+            <a:pPr marL="0" lvl="0" indent="0" algn="l" rtl="0">
+              <a:lnSpc>
+                <a:spcPct val="115000"/>
+              </a:lnSpc>
+              <a:spcBef>
+                <a:spcPts val="0"/>
+              </a:spcBef>
+              <a:spcAft>
+                <a:spcPts val="0"/>
+              </a:spcAft>
+              <a:buNone/>
+            </a:pPr>
             <a:endParaRPr sz="1200" dirty="0">
               <a:latin typeface="Roboto"/>
               <a:ea typeface="Roboto"/>
@@ -21871,6 +22050,55 @@
           </a:prstGeom>
         </p:spPr>
       </p:pic>
+      <p:sp>
+        <p:nvSpPr>
+          <p:cNvPr id="4" name="TextBox 3">
+            <a:extLst>
+              <a:ext uri="{FF2B5EF4-FFF2-40B4-BE49-F238E27FC236}">
+                <a16:creationId xmlns:a16="http://schemas.microsoft.com/office/drawing/2014/main" id="{2F795901-DFE0-1952-03FD-D6F492FC168C}"/>
+              </a:ext>
+            </a:extLst>
+          </p:cNvPr>
+          <p:cNvSpPr txBox="1"/>
+          <p:nvPr/>
+        </p:nvSpPr>
+        <p:spPr>
+          <a:xfrm>
+            <a:off x="2286000" y="4509545"/>
+            <a:ext cx="4572000" cy="307777"/>
+          </a:xfrm>
+          <a:prstGeom prst="rect">
+            <a:avLst/>
+          </a:prstGeom>
+          <a:noFill/>
+        </p:spPr>
+        <p:txBody>
+          <a:bodyPr wrap="square">
+            <a:spAutoFit/>
+          </a:bodyPr>
+          <a:lstStyle/>
+          <a:p>
+            <a:pPr algn="ctr"/>
+            <a:r>
+              <a:rPr lang="en-US" dirty="0">
+                <a:solidFill>
+                  <a:schemeClr val="accent4">
+                    <a:lumMod val="50000"/>
+                  </a:schemeClr>
+                </a:solidFill>
+              </a:rPr>
+              <a:t>Average conversion rate 4.59%</a:t>
+            </a:r>
+            <a:endParaRPr lang="ru-GB" dirty="0">
+              <a:solidFill>
+                <a:schemeClr val="accent4">
+                  <a:lumMod val="50000"/>
+                </a:schemeClr>
+              </a:solidFill>
+            </a:endParaRPr>
+          </a:p>
+        </p:txBody>
+      </p:sp>
     </p:spTree>
   </p:cSld>
   <p:clrMapOvr>
@@ -23557,7 +23785,7 @@
           <p:nvPr/>
         </p:nvPicPr>
         <p:blipFill>
-          <a:blip r:embed="rId2" cstate="print">
+          <a:blip r:embed="rId3" cstate="print">
             <a:extLst>
               <a:ext uri="{28A0092B-C50C-407E-A947-70E740481C1C}">
                 <a14:useLocalDpi xmlns:a14="http://schemas.microsoft.com/office/drawing/2010/main" val="0"/>
@@ -23655,7 +23883,7 @@
                 <a:effectLst/>
                 <a:latin typeface="-apple-system"/>
               </a:rPr>
-              <a:t>-value=0.0001 is way below our </a:t>
+              <a:t>-value=0.0003 is way below our </a:t>
             </a:r>
             <a:r>
               <a:rPr lang="el-GR" dirty="0"/>
